--- a/media/alert_message_flow.pptx
+++ b/media/alert_message_flow.pptx
@@ -204,7 +204,7 @@
           <a:p>
             <a:fld id="{47277FB0-21EC-48C5-90B0-184600466A6C}" type="datetimeFigureOut">
               <a:rPr lang="zh-CN" altLang="en-US" smtClean="0"/>
-              <a:t>2018/11/29</a:t>
+              <a:t>2018/12/5</a:t>
             </a:fld>
             <a:endParaRPr lang="zh-CN" altLang="en-US"/>
           </a:p>
@@ -369,7 +369,7 @@
           <a:p>
             <a:fld id="{9C967889-4715-5C4F-A252-FFC716185AB6}" type="datetimeFigureOut">
               <a:rPr lang="en-US" smtClean="0"/>
-              <a:t>11/29/18</a:t>
+              <a:t>12/5/18</a:t>
             </a:fld>
             <a:endParaRPr lang="en-US"/>
           </a:p>
@@ -4890,9 +4890,9 @@
               <a:r>
                 <a:rPr kumimoji="1" lang="en-US" altLang="zh-CN" sz="1400" dirty="0">
                   <a:solidFill>
-                    <a:srgbClr val="737794"/>
+                    <a:srgbClr val="383C57"/>
                   </a:solidFill>
-                  <a:latin typeface="Helvetica Light" panose="020B0403020202020204" pitchFamily="34" charset="0"/>
+                  <a:latin typeface="Helvetica" pitchFamily="2" charset="0"/>
                   <a:cs typeface="Arial" panose="020B0604020202020204" pitchFamily="34" charset="0"/>
                 </a:rPr>
                 <a:t>Measuring</a:t>
@@ -4900,9 +4900,9 @@
               <a:r>
                 <a:rPr kumimoji="1" lang="zh-CN" altLang="en-US" sz="1400" dirty="0">
                   <a:solidFill>
-                    <a:srgbClr val="737794"/>
+                    <a:srgbClr val="383C57"/>
                   </a:solidFill>
-                  <a:latin typeface="Helvetica Light" panose="020B0403020202020204" pitchFamily="34" charset="0"/>
+                  <a:latin typeface="Helvetica" pitchFamily="2" charset="0"/>
                   <a:cs typeface="Arial" panose="020B0604020202020204" pitchFamily="34" charset="0"/>
                 </a:rPr>
                 <a:t> </a:t>
@@ -4910,18 +4910,18 @@
               <a:r>
                 <a:rPr kumimoji="1" lang="en-US" altLang="zh-CN" sz="1400" dirty="0">
                   <a:solidFill>
-                    <a:srgbClr val="737794"/>
+                    <a:srgbClr val="383C57"/>
                   </a:solidFill>
-                  <a:latin typeface="Helvetica Light" panose="020B0403020202020204" pitchFamily="34" charset="0"/>
+                  <a:latin typeface="Helvetica" pitchFamily="2" charset="0"/>
                   <a:cs typeface="Arial" panose="020B0604020202020204" pitchFamily="34" charset="0"/>
                 </a:rPr>
                 <a:t>point</a:t>
               </a:r>
               <a:endParaRPr kumimoji="1" lang="zh-CN" altLang="en-US" sz="1400" dirty="0">
                 <a:solidFill>
-                  <a:srgbClr val="737794"/>
+                  <a:srgbClr val="383C57"/>
                 </a:solidFill>
-                <a:latin typeface="Helvetica Light" panose="020B0403020202020204" pitchFamily="34" charset="0"/>
+                <a:latin typeface="Helvetica" pitchFamily="2" charset="0"/>
                 <a:cs typeface="Arial" panose="020B0604020202020204" pitchFamily="34" charset="0"/>
               </a:endParaRPr>
             </a:p>
@@ -4959,9 +4959,9 @@
               <a:r>
                 <a:rPr kumimoji="1" lang="en-US" altLang="zh-CN" sz="1400" dirty="0">
                   <a:solidFill>
-                    <a:srgbClr val="737794"/>
+                    <a:srgbClr val="383C57"/>
                   </a:solidFill>
-                  <a:latin typeface="Helvetica Light" panose="020B0403020202020204" pitchFamily="34" charset="0"/>
+                  <a:latin typeface="Helvetica" pitchFamily="2" charset="0"/>
                   <a:cs typeface="Arial" panose="020B0604020202020204" pitchFamily="34" charset="0"/>
                 </a:rPr>
                 <a:t>Alert</a:t>
@@ -4969,9 +4969,9 @@
               <a:r>
                 <a:rPr kumimoji="1" lang="zh-CN" altLang="en-US" sz="1400" dirty="0">
                   <a:solidFill>
-                    <a:srgbClr val="737794"/>
+                    <a:srgbClr val="383C57"/>
                   </a:solidFill>
-                  <a:latin typeface="Helvetica Light" panose="020B0403020202020204" pitchFamily="34" charset="0"/>
+                  <a:latin typeface="Helvetica" pitchFamily="2" charset="0"/>
                   <a:cs typeface="Arial" panose="020B0604020202020204" pitchFamily="34" charset="0"/>
                 </a:rPr>
                 <a:t> </a:t>
@@ -4979,18 +4979,18 @@
               <a:r>
                 <a:rPr kumimoji="1" lang="en-US" altLang="zh-CN" sz="1400" dirty="0">
                   <a:solidFill>
-                    <a:srgbClr val="737794"/>
+                    <a:srgbClr val="383C57"/>
                   </a:solidFill>
-                  <a:latin typeface="Helvetica Light" panose="020B0403020202020204" pitchFamily="34" charset="0"/>
+                  <a:latin typeface="Helvetica" pitchFamily="2" charset="0"/>
                   <a:cs typeface="Arial" panose="020B0604020202020204" pitchFamily="34" charset="0"/>
                 </a:rPr>
                 <a:t>rules</a:t>
               </a:r>
               <a:endParaRPr kumimoji="1" lang="zh-CN" altLang="en-US" sz="1400" dirty="0">
                 <a:solidFill>
-                  <a:srgbClr val="737794"/>
+                  <a:srgbClr val="383C57"/>
                 </a:solidFill>
-                <a:latin typeface="Helvetica Light" panose="020B0403020202020204" pitchFamily="34" charset="0"/>
+                <a:latin typeface="Helvetica" pitchFamily="2" charset="0"/>
                 <a:cs typeface="Arial" panose="020B0604020202020204" pitchFamily="34" charset="0"/>
               </a:endParaRPr>
             </a:p>
@@ -5028,9 +5028,9 @@
               <a:r>
                 <a:rPr kumimoji="1" lang="en-US" altLang="zh-CN" sz="1400" dirty="0">
                   <a:solidFill>
-                    <a:srgbClr val="737794"/>
+                    <a:srgbClr val="383C57"/>
                   </a:solidFill>
-                  <a:latin typeface="Helvetica Light" panose="020B0403020202020204" pitchFamily="34" charset="0"/>
+                  <a:latin typeface="Helvetica" pitchFamily="2" charset="0"/>
                   <a:cs typeface="Arial" panose="020B0604020202020204" pitchFamily="34" charset="0"/>
                 </a:rPr>
                 <a:t>Alert</a:t>
@@ -5038,9 +5038,9 @@
               <a:r>
                 <a:rPr kumimoji="1" lang="zh-CN" altLang="en-US" sz="1400" dirty="0">
                   <a:solidFill>
-                    <a:srgbClr val="737794"/>
+                    <a:srgbClr val="383C57"/>
                   </a:solidFill>
-                  <a:latin typeface="Helvetica Light" panose="020B0403020202020204" pitchFamily="34" charset="0"/>
+                  <a:latin typeface="Helvetica" pitchFamily="2" charset="0"/>
                   <a:cs typeface="Arial" panose="020B0604020202020204" pitchFamily="34" charset="0"/>
                 </a:rPr>
                 <a:t> </a:t>
@@ -5048,18 +5048,18 @@
               <a:r>
                 <a:rPr kumimoji="1" lang="en-US" altLang="zh-CN" sz="1400" dirty="0">
                   <a:solidFill>
-                    <a:srgbClr val="737794"/>
+                    <a:srgbClr val="383C57"/>
                   </a:solidFill>
-                  <a:latin typeface="Helvetica Light" panose="020B0403020202020204" pitchFamily="34" charset="0"/>
+                  <a:latin typeface="Helvetica" pitchFamily="2" charset="0"/>
                   <a:cs typeface="Arial" panose="020B0604020202020204" pitchFamily="34" charset="0"/>
                 </a:rPr>
                 <a:t>content</a:t>
               </a:r>
               <a:endParaRPr kumimoji="1" lang="zh-CN" altLang="en-US" sz="1400" dirty="0">
                 <a:solidFill>
-                  <a:srgbClr val="737794"/>
+                  <a:srgbClr val="383C57"/>
                 </a:solidFill>
-                <a:latin typeface="Helvetica Light" panose="020B0403020202020204" pitchFamily="34" charset="0"/>
+                <a:latin typeface="Helvetica" pitchFamily="2" charset="0"/>
                 <a:cs typeface="Arial" panose="020B0604020202020204" pitchFamily="34" charset="0"/>
               </a:endParaRPr>
             </a:p>
@@ -5097,9 +5097,9 @@
               <a:r>
                 <a:rPr kumimoji="1" lang="en-US" altLang="zh-CN" sz="1400" dirty="0">
                   <a:solidFill>
-                    <a:srgbClr val="737794"/>
+                    <a:srgbClr val="383C57"/>
                   </a:solidFill>
-                  <a:latin typeface="Helvetica Light" panose="020B0403020202020204" pitchFamily="34" charset="0"/>
+                  <a:latin typeface="Helvetica" pitchFamily="2" charset="0"/>
                   <a:cs typeface="Arial" panose="020B0604020202020204" pitchFamily="34" charset="0"/>
                 </a:rPr>
                 <a:t>Alert</a:t>
@@ -5107,9 +5107,9 @@
               <a:r>
                 <a:rPr kumimoji="1" lang="zh-CN" altLang="en-US" sz="1400" dirty="0">
                   <a:solidFill>
-                    <a:srgbClr val="737794"/>
+                    <a:srgbClr val="383C57"/>
                   </a:solidFill>
-                  <a:latin typeface="Helvetica Light" panose="020B0403020202020204" pitchFamily="34" charset="0"/>
+                  <a:latin typeface="Helvetica" pitchFamily="2" charset="0"/>
                   <a:cs typeface="Arial" panose="020B0604020202020204" pitchFamily="34" charset="0"/>
                 </a:rPr>
                 <a:t> </a:t>
@@ -5117,18 +5117,18 @@
               <a:r>
                 <a:rPr kumimoji="1" lang="en-US" altLang="zh-CN" sz="1400" dirty="0">
                   <a:solidFill>
-                    <a:srgbClr val="737794"/>
+                    <a:srgbClr val="383C57"/>
                   </a:solidFill>
-                  <a:latin typeface="Helvetica Light" panose="020B0403020202020204" pitchFamily="34" charset="0"/>
+                  <a:latin typeface="Helvetica" pitchFamily="2" charset="0"/>
                   <a:cs typeface="Arial" panose="020B0604020202020204" pitchFamily="34" charset="0"/>
                 </a:rPr>
                 <a:t>severity</a:t>
               </a:r>
               <a:endParaRPr kumimoji="1" lang="zh-CN" altLang="en-US" sz="1400" dirty="0">
                 <a:solidFill>
-                  <a:srgbClr val="737794"/>
+                  <a:srgbClr val="383C57"/>
                 </a:solidFill>
-                <a:latin typeface="Helvetica Light" panose="020B0403020202020204" pitchFamily="34" charset="0"/>
+                <a:latin typeface="Helvetica" pitchFamily="2" charset="0"/>
                 <a:cs typeface="Arial" panose="020B0604020202020204" pitchFamily="34" charset="0"/>
               </a:endParaRPr>
             </a:p>
@@ -5166,9 +5166,9 @@
               <a:r>
                 <a:rPr kumimoji="1" lang="en-US" altLang="zh-CN" sz="1400" dirty="0">
                   <a:solidFill>
-                    <a:srgbClr val="737794"/>
+                    <a:srgbClr val="383C57"/>
                   </a:solidFill>
-                  <a:latin typeface="Helvetica Light" panose="020B0403020202020204" pitchFamily="34" charset="0"/>
+                  <a:latin typeface="Helvetica" pitchFamily="2" charset="0"/>
                   <a:cs typeface="Arial" panose="020B0604020202020204" pitchFamily="34" charset="0"/>
                 </a:rPr>
                 <a:t>Alert</a:t>
@@ -5176,9 +5176,9 @@
               <a:r>
                 <a:rPr kumimoji="1" lang="zh-CN" altLang="en-US" sz="1400" dirty="0">
                   <a:solidFill>
-                    <a:srgbClr val="737794"/>
+                    <a:srgbClr val="383C57"/>
                   </a:solidFill>
-                  <a:latin typeface="Helvetica Light" panose="020B0403020202020204" pitchFamily="34" charset="0"/>
+                  <a:latin typeface="Helvetica" pitchFamily="2" charset="0"/>
                   <a:cs typeface="Arial" panose="020B0604020202020204" pitchFamily="34" charset="0"/>
                 </a:rPr>
                 <a:t> </a:t>
@@ -5186,18 +5186,18 @@
               <a:r>
                 <a:rPr kumimoji="1" lang="en-US" altLang="zh-CN" sz="1400" dirty="0">
                   <a:solidFill>
-                    <a:srgbClr val="737794"/>
+                    <a:srgbClr val="383C57"/>
                   </a:solidFill>
-                  <a:latin typeface="Helvetica Light" panose="020B0403020202020204" pitchFamily="34" charset="0"/>
+                  <a:latin typeface="Helvetica" pitchFamily="2" charset="0"/>
                   <a:cs typeface="Arial" panose="020B0604020202020204" pitchFamily="34" charset="0"/>
                 </a:rPr>
                 <a:t>type</a:t>
               </a:r>
               <a:endParaRPr kumimoji="1" lang="zh-CN" altLang="en-US" sz="1400" dirty="0">
                 <a:solidFill>
-                  <a:srgbClr val="737794"/>
+                  <a:srgbClr val="383C57"/>
                 </a:solidFill>
-                <a:latin typeface="Helvetica Light" panose="020B0403020202020204" pitchFamily="34" charset="0"/>
+                <a:latin typeface="Helvetica" pitchFamily="2" charset="0"/>
                 <a:cs typeface="Arial" panose="020B0604020202020204" pitchFamily="34" charset="0"/>
               </a:endParaRPr>
             </a:p>
